--- a/March Madness Basketball Tournament.pptx
+++ b/March Madness Basketball Tournament.pptx
@@ -110,6 +110,11 @@
       </a:defRPr>
     </a:lvl9pPr>
   </p:defaultTextStyle>
+  <p:extLst>
+    <p:ext uri="{EFAFB233-063F-42B5-8137-9DF3F51BA10A}">
+      <p15:sldGuideLst xmlns:p15="http://schemas.microsoft.com/office/powerpoint/2012/main"/>
+    </p:ext>
+  </p:extLst>
 </p:presentation>
 </file>
 
@@ -3380,13 +3385,13 @@
         </p:nvSpPr>
         <p:spPr>
           <a:xfrm>
-            <a:off x="1102584" y="3411196"/>
-            <a:ext cx="9144000" cy="2605883"/>
+            <a:off x="1102584" y="3403245"/>
+            <a:ext cx="9144000" cy="2759016"/>
           </a:xfrm>
         </p:spPr>
         <p:txBody>
           <a:bodyPr>
-            <a:normAutofit fontScale="85000" lnSpcReduction="10000"/>
+            <a:normAutofit fontScale="77500" lnSpcReduction="20000"/>
           </a:bodyPr>
           <a:lstStyle/>
           <a:p>
@@ -3742,7 +3747,79 @@
               <a:rPr lang="de-DE" sz="2000" dirty="0">
                 <a:sym typeface="Wingdings" panose="05000000000000000000" pitchFamily="2" charset="2"/>
               </a:rPr>
-              <a:t> </a:t>
+              <a:t> (</a:t>
+            </a:r>
+            <a:r>
+              <a:rPr lang="de-DE" sz="2000" dirty="0" err="1">
+                <a:sym typeface="Wingdings" panose="05000000000000000000" pitchFamily="2" charset="2"/>
+              </a:rPr>
+              <a:t>invitational</a:t>
+            </a:r>
+            <a:r>
+              <a:rPr lang="de-DE" sz="2000" dirty="0">
+                <a:sym typeface="Wingdings" panose="05000000000000000000" pitchFamily="2" charset="2"/>
+              </a:rPr>
+              <a:t> </a:t>
+            </a:r>
+            <a:r>
+              <a:rPr lang="de-DE" sz="2000" dirty="0" err="1">
+                <a:sym typeface="Wingdings" panose="05000000000000000000" pitchFamily="2" charset="2"/>
+              </a:rPr>
+              <a:t>tournaments</a:t>
+            </a:r>
+            <a:r>
+              <a:rPr lang="de-DE" sz="2000" dirty="0">
+                <a:sym typeface="Wingdings" panose="05000000000000000000" pitchFamily="2" charset="2"/>
+              </a:rPr>
+              <a:t>, </a:t>
+            </a:r>
+            <a:r>
+              <a:rPr lang="de-DE" sz="2000" dirty="0" err="1">
+                <a:sym typeface="Wingdings" panose="05000000000000000000" pitchFamily="2" charset="2"/>
+              </a:rPr>
+              <a:t>typically</a:t>
+            </a:r>
+            <a:r>
+              <a:rPr lang="de-DE" sz="2000" dirty="0">
+                <a:sym typeface="Wingdings" panose="05000000000000000000" pitchFamily="2" charset="2"/>
+              </a:rPr>
+              <a:t> </a:t>
+            </a:r>
+            <a:r>
+              <a:rPr lang="de-DE" sz="2000" dirty="0" err="1">
+                <a:sym typeface="Wingdings" panose="05000000000000000000" pitchFamily="2" charset="2"/>
+              </a:rPr>
+              <a:t>the</a:t>
+            </a:r>
+            <a:r>
+              <a:rPr lang="de-DE" sz="2000" dirty="0">
+                <a:sym typeface="Wingdings" panose="05000000000000000000" pitchFamily="2" charset="2"/>
+              </a:rPr>
+              <a:t> </a:t>
+            </a:r>
+            <a:r>
+              <a:rPr lang="de-DE" sz="2000" dirty="0" err="1">
+                <a:sym typeface="Wingdings" panose="05000000000000000000" pitchFamily="2" charset="2"/>
+              </a:rPr>
+              <a:t>stronger</a:t>
+            </a:r>
+            <a:r>
+              <a:rPr lang="de-DE" sz="2000" dirty="0">
+                <a:sym typeface="Wingdings" panose="05000000000000000000" pitchFamily="2" charset="2"/>
+              </a:rPr>
+              <a:t> </a:t>
+            </a:r>
+            <a:r>
+              <a:rPr lang="de-DE" sz="2000" dirty="0" err="1">
+                <a:sym typeface="Wingdings" panose="05000000000000000000" pitchFamily="2" charset="2"/>
+              </a:rPr>
+              <a:t>teams</a:t>
+            </a:r>
+            <a:r>
+              <a:rPr lang="de-DE" sz="2000" dirty="0">
+                <a:sym typeface="Wingdings" panose="05000000000000000000" pitchFamily="2" charset="2"/>
+              </a:rPr>
+              <a:t>) </a:t>
             </a:r>
             <a:r>
               <a:rPr lang="de-DE" sz="2000" dirty="0" err="1">
@@ -3797,6 +3874,51 @@
                 <a:sym typeface="Wingdings" panose="05000000000000000000" pitchFamily="2" charset="2"/>
               </a:rPr>
               <a:t>more</a:t>
+            </a:r>
+            <a:r>
+              <a:rPr lang="de-DE" sz="2000" dirty="0">
+                <a:sym typeface="Wingdings" panose="05000000000000000000" pitchFamily="2" charset="2"/>
+              </a:rPr>
+              <a:t> </a:t>
+            </a:r>
+            <a:r>
+              <a:rPr lang="de-DE" sz="2000" dirty="0" err="1">
+                <a:sym typeface="Wingdings" panose="05000000000000000000" pitchFamily="2" charset="2"/>
+              </a:rPr>
+              <a:t>data</a:t>
+            </a:r>
+            <a:endParaRPr lang="de-DE" sz="2000" dirty="0">
+              <a:sym typeface="Wingdings" panose="05000000000000000000" pitchFamily="2" charset="2"/>
+            </a:endParaRPr>
+          </a:p>
+          <a:p>
+            <a:pPr marL="342900" indent="-342900">
+              <a:buFont typeface="Arial" panose="020B0604020202020204" pitchFamily="34" charset="0"/>
+              <a:buChar char="•"/>
+            </a:pPr>
+            <a:r>
+              <a:rPr lang="de-DE" sz="2000" dirty="0">
+                <a:sym typeface="Wingdings" panose="05000000000000000000" pitchFamily="2" charset="2"/>
+              </a:rPr>
+              <a:t> </a:t>
+            </a:r>
+            <a:r>
+              <a:rPr lang="de-DE" sz="2000" dirty="0" err="1">
+                <a:sym typeface="Wingdings" panose="05000000000000000000" pitchFamily="2" charset="2"/>
+              </a:rPr>
+              <a:t>more</a:t>
+            </a:r>
+            <a:r>
+              <a:rPr lang="de-DE" sz="2000" dirty="0">
+                <a:sym typeface="Wingdings" panose="05000000000000000000" pitchFamily="2" charset="2"/>
+              </a:rPr>
+              <a:t> impact- and </a:t>
+            </a:r>
+            <a:r>
+              <a:rPr lang="de-DE" sz="2000" dirty="0" err="1">
+                <a:sym typeface="Wingdings" panose="05000000000000000000" pitchFamily="2" charset="2"/>
+              </a:rPr>
+              <a:t>meaningful</a:t>
             </a:r>
             <a:r>
               <a:rPr lang="de-DE" sz="2000" dirty="0">
@@ -3919,8 +4041,8 @@
         </p:blipFill>
         <p:spPr>
           <a:xfrm>
-            <a:off x="1785100" y="1557905"/>
-            <a:ext cx="8474849" cy="4763381"/>
+            <a:off x="1435245" y="1248354"/>
+            <a:ext cx="9096324" cy="5112688"/>
           </a:xfrm>
           <a:prstGeom prst="rect">
             <a:avLst/>
